--- a/Hackathon_2_Presentation.pptx
+++ b/Hackathon_2_Presentation.pptx
@@ -6,6 +6,12 @@
   </p:sldMasterIdLst>
   <p:sldIdLst>
     <p:sldId id="256" r:id="rId2"/>
+    <p:sldId id="257" r:id="rId3"/>
+    <p:sldId id="258" r:id="rId4"/>
+    <p:sldId id="259" r:id="rId5"/>
+    <p:sldId id="260" r:id="rId6"/>
+    <p:sldId id="261" r:id="rId7"/>
+    <p:sldId id="262" r:id="rId8"/>
   </p:sldIdLst>
   <p:sldSz cx="12192000" cy="6858000"/>
   <p:notesSz cx="6858000" cy="9144000"/>
@@ -4495,7 +4501,7 @@
           </a:bodyPr>
           <a:lstStyle/>
           <a:p>
-            <a:pPr algn="r"/>
+            <a:pPr algn="ctr"/>
             <a:r>
               <a:rPr lang="en-US" dirty="0">
                 <a:solidFill>
@@ -4535,7 +4541,7 @@
             </a:endParaRPr>
           </a:p>
           <a:p>
-            <a:pPr algn="r"/>
+            <a:pPr algn="ctr"/>
             <a:r>
               <a:rPr lang="en-US" dirty="0">
                 <a:solidFill>
@@ -4546,20 +4552,15 @@
             </a:r>
           </a:p>
           <a:p>
-            <a:pPr algn="r"/>
-            <a:r>
-              <a:rPr lang="en-US">
+            <a:pPr algn="ctr"/>
+            <a:r>
+              <a:rPr lang="en-US" dirty="0">
                 <a:solidFill>
                   <a:srgbClr val="FFFFFF"/>
                 </a:solidFill>
               </a:rPr>
               <a:t>February, 2024</a:t>
             </a:r>
-            <a:endParaRPr lang="en-US" dirty="0">
-              <a:solidFill>
-                <a:srgbClr val="FFFFFF"/>
-              </a:solidFill>
-            </a:endParaRPr>
           </a:p>
         </p:txBody>
       </p:sp>
@@ -4671,6 +4672,537 @@
     <p:extLst>
       <p:ext uri="{BB962C8B-B14F-4D97-AF65-F5344CB8AC3E}">
         <p14:creationId xmlns:p14="http://schemas.microsoft.com/office/powerpoint/2010/main" val="4216720645"/>
+      </p:ext>
+    </p:extLst>
+  </p:cSld>
+  <p:clrMapOvr>
+    <a:masterClrMapping/>
+  </p:clrMapOvr>
+</p:sld>
+</file>
+
+<file path=ppt/slides/slide2.xml><?xml version="1.0" encoding="utf-8"?>
+<p:sld xmlns:a="http://schemas.openxmlformats.org/drawingml/2006/main" xmlns:r="http://schemas.openxmlformats.org/officeDocument/2006/relationships" xmlns:p="http://schemas.openxmlformats.org/presentationml/2006/main">
+  <p:cSld>
+    <p:spTree>
+      <p:nvGrpSpPr>
+        <p:cNvPr id="1" name=""/>
+        <p:cNvGrpSpPr/>
+        <p:nvPr/>
+      </p:nvGrpSpPr>
+      <p:grpSpPr>
+        <a:xfrm>
+          <a:off x="0" y="0"/>
+          <a:ext cx="0" cy="0"/>
+          <a:chOff x="0" y="0"/>
+          <a:chExt cx="0" cy="0"/>
+        </a:xfrm>
+      </p:grpSpPr>
+      <p:sp>
+        <p:nvSpPr>
+          <p:cNvPr id="2" name="Title 1">
+            <a:extLst>
+              <a:ext uri="{FF2B5EF4-FFF2-40B4-BE49-F238E27FC236}">
+                <a16:creationId xmlns:a16="http://schemas.microsoft.com/office/drawing/2014/main" id="{746F3BDF-6828-5CEF-3AA4-B2E212A8C1F4}"/>
+              </a:ext>
+            </a:extLst>
+          </p:cNvPr>
+          <p:cNvSpPr>
+            <a:spLocks noGrp="1"/>
+          </p:cNvSpPr>
+          <p:nvPr>
+            <p:ph type="title"/>
+          </p:nvPr>
+        </p:nvSpPr>
+        <p:spPr>
+          <a:xfrm>
+            <a:off x="482600" y="570784"/>
+            <a:ext cx="10634472" cy="2157984"/>
+          </a:xfrm>
+        </p:spPr>
+        <p:txBody>
+          <a:bodyPr/>
+          <a:lstStyle/>
+          <a:p>
+            <a:pPr algn="ctr"/>
+            <a:r>
+              <a:rPr lang="en-US" sz="4800" dirty="0"/>
+              <a:t>Objective</a:t>
+            </a:r>
+          </a:p>
+        </p:txBody>
+      </p:sp>
+      <p:sp>
+        <p:nvSpPr>
+          <p:cNvPr id="3" name="Content Placeholder 2">
+            <a:extLst>
+              <a:ext uri="{FF2B5EF4-FFF2-40B4-BE49-F238E27FC236}">
+                <a16:creationId xmlns:a16="http://schemas.microsoft.com/office/drawing/2014/main" id="{4BDF94EA-D67A-1067-6D22-F66931BE8B1F}"/>
+              </a:ext>
+            </a:extLst>
+          </p:cNvPr>
+          <p:cNvSpPr>
+            <a:spLocks noGrp="1"/>
+          </p:cNvSpPr>
+          <p:nvPr>
+            <p:ph idx="1"/>
+          </p:nvPr>
+        </p:nvSpPr>
+        <p:spPr>
+          <a:xfrm>
+            <a:off x="482600" y="2842872"/>
+            <a:ext cx="11514769" cy="2572721"/>
+          </a:xfrm>
+        </p:spPr>
+        <p:txBody>
+          <a:bodyPr>
+            <a:normAutofit lnSpcReduction="10000"/>
+          </a:bodyPr>
+          <a:lstStyle/>
+          <a:p>
+            <a:r>
+              <a:rPr lang="en-US" dirty="0"/>
+              <a:t>- Create a Convolutional Neural Network</a:t>
+            </a:r>
+          </a:p>
+          <a:p>
+            <a:r>
+              <a:rPr lang="en-US" sz="2000" dirty="0"/>
+              <a:t>    - Capable of distinguishing between images of Hot Dogs versus other images without hot dogs. </a:t>
+            </a:r>
+          </a:p>
+          <a:p>
+            <a:r>
+              <a:rPr lang="en-US" dirty="0"/>
+              <a:t>- Create a </a:t>
+            </a:r>
+            <a:r>
+              <a:rPr lang="en-US" dirty="0" err="1"/>
+              <a:t>Streamlit</a:t>
+            </a:r>
+            <a:r>
+              <a:rPr lang="en-US" dirty="0"/>
+              <a:t> App</a:t>
+            </a:r>
+          </a:p>
+          <a:p>
+            <a:r>
+              <a:rPr lang="en-US" sz="2000" dirty="0"/>
+              <a:t>    - Deploy so that users may utilize to differentiate between these two distinct classes of images. </a:t>
+            </a:r>
+          </a:p>
+          <a:p>
+            <a:r>
+              <a:rPr lang="en-US" dirty="0"/>
+              <a:t>- Interested parties in this research may apply these techniques for their own image classification purposes. </a:t>
+            </a:r>
+          </a:p>
+        </p:txBody>
+      </p:sp>
+    </p:spTree>
+    <p:extLst>
+      <p:ext uri="{BB962C8B-B14F-4D97-AF65-F5344CB8AC3E}">
+        <p14:creationId xmlns:p14="http://schemas.microsoft.com/office/powerpoint/2010/main" val="3752386636"/>
+      </p:ext>
+    </p:extLst>
+  </p:cSld>
+  <p:clrMapOvr>
+    <a:masterClrMapping/>
+  </p:clrMapOvr>
+</p:sld>
+</file>
+
+<file path=ppt/slides/slide3.xml><?xml version="1.0" encoding="utf-8"?>
+<p:sld xmlns:a="http://schemas.openxmlformats.org/drawingml/2006/main" xmlns:r="http://schemas.openxmlformats.org/officeDocument/2006/relationships" xmlns:p="http://schemas.openxmlformats.org/presentationml/2006/main">
+  <p:cSld>
+    <p:spTree>
+      <p:nvGrpSpPr>
+        <p:cNvPr id="1" name=""/>
+        <p:cNvGrpSpPr/>
+        <p:nvPr/>
+      </p:nvGrpSpPr>
+      <p:grpSpPr>
+        <a:xfrm>
+          <a:off x="0" y="0"/>
+          <a:ext cx="0" cy="0"/>
+          <a:chOff x="0" y="0"/>
+          <a:chExt cx="0" cy="0"/>
+        </a:xfrm>
+      </p:grpSpPr>
+      <p:sp>
+        <p:nvSpPr>
+          <p:cNvPr id="2" name="Title 1">
+            <a:extLst>
+              <a:ext uri="{FF2B5EF4-FFF2-40B4-BE49-F238E27FC236}">
+                <a16:creationId xmlns:a16="http://schemas.microsoft.com/office/drawing/2014/main" id="{B34038CC-698A-2584-65F1-0FF223365D56}"/>
+              </a:ext>
+            </a:extLst>
+          </p:cNvPr>
+          <p:cNvSpPr>
+            <a:spLocks noGrp="1"/>
+          </p:cNvSpPr>
+          <p:nvPr>
+            <p:ph type="title"/>
+          </p:nvPr>
+        </p:nvSpPr>
+        <p:spPr/>
+        <p:txBody>
+          <a:bodyPr/>
+          <a:lstStyle/>
+          <a:p>
+            <a:endParaRPr lang="en-US"/>
+          </a:p>
+        </p:txBody>
+      </p:sp>
+      <p:sp>
+        <p:nvSpPr>
+          <p:cNvPr id="3" name="Content Placeholder 2">
+            <a:extLst>
+              <a:ext uri="{FF2B5EF4-FFF2-40B4-BE49-F238E27FC236}">
+                <a16:creationId xmlns:a16="http://schemas.microsoft.com/office/drawing/2014/main" id="{8BE50A4A-20B2-6831-DB0F-9D5E7EA768D4}"/>
+              </a:ext>
+            </a:extLst>
+          </p:cNvPr>
+          <p:cNvSpPr>
+            <a:spLocks noGrp="1"/>
+          </p:cNvSpPr>
+          <p:nvPr>
+            <p:ph idx="1"/>
+          </p:nvPr>
+        </p:nvSpPr>
+        <p:spPr/>
+        <p:txBody>
+          <a:bodyPr/>
+          <a:lstStyle/>
+          <a:p>
+            <a:endParaRPr lang="en-US"/>
+          </a:p>
+        </p:txBody>
+      </p:sp>
+    </p:spTree>
+    <p:extLst>
+      <p:ext uri="{BB962C8B-B14F-4D97-AF65-F5344CB8AC3E}">
+        <p14:creationId xmlns:p14="http://schemas.microsoft.com/office/powerpoint/2010/main" val="1173101967"/>
+      </p:ext>
+    </p:extLst>
+  </p:cSld>
+  <p:clrMapOvr>
+    <a:masterClrMapping/>
+  </p:clrMapOvr>
+</p:sld>
+</file>
+
+<file path=ppt/slides/slide4.xml><?xml version="1.0" encoding="utf-8"?>
+<p:sld xmlns:a="http://schemas.openxmlformats.org/drawingml/2006/main" xmlns:r="http://schemas.openxmlformats.org/officeDocument/2006/relationships" xmlns:p="http://schemas.openxmlformats.org/presentationml/2006/main">
+  <p:cSld>
+    <p:spTree>
+      <p:nvGrpSpPr>
+        <p:cNvPr id="1" name=""/>
+        <p:cNvGrpSpPr/>
+        <p:nvPr/>
+      </p:nvGrpSpPr>
+      <p:grpSpPr>
+        <a:xfrm>
+          <a:off x="0" y="0"/>
+          <a:ext cx="0" cy="0"/>
+          <a:chOff x="0" y="0"/>
+          <a:chExt cx="0" cy="0"/>
+        </a:xfrm>
+      </p:grpSpPr>
+      <p:sp>
+        <p:nvSpPr>
+          <p:cNvPr id="2" name="Title 1">
+            <a:extLst>
+              <a:ext uri="{FF2B5EF4-FFF2-40B4-BE49-F238E27FC236}">
+                <a16:creationId xmlns:a16="http://schemas.microsoft.com/office/drawing/2014/main" id="{18CBCE4A-5C87-E2A2-5629-A9B3C859C45A}"/>
+              </a:ext>
+            </a:extLst>
+          </p:cNvPr>
+          <p:cNvSpPr>
+            <a:spLocks noGrp="1"/>
+          </p:cNvSpPr>
+          <p:nvPr>
+            <p:ph type="title"/>
+          </p:nvPr>
+        </p:nvSpPr>
+        <p:spPr/>
+        <p:txBody>
+          <a:bodyPr/>
+          <a:lstStyle/>
+          <a:p>
+            <a:endParaRPr lang="en-US"/>
+          </a:p>
+        </p:txBody>
+      </p:sp>
+      <p:sp>
+        <p:nvSpPr>
+          <p:cNvPr id="3" name="Content Placeholder 2">
+            <a:extLst>
+              <a:ext uri="{FF2B5EF4-FFF2-40B4-BE49-F238E27FC236}">
+                <a16:creationId xmlns:a16="http://schemas.microsoft.com/office/drawing/2014/main" id="{026492B0-0D5A-D935-7254-8C947E4F0078}"/>
+              </a:ext>
+            </a:extLst>
+          </p:cNvPr>
+          <p:cNvSpPr>
+            <a:spLocks noGrp="1"/>
+          </p:cNvSpPr>
+          <p:nvPr>
+            <p:ph idx="1"/>
+          </p:nvPr>
+        </p:nvSpPr>
+        <p:spPr/>
+        <p:txBody>
+          <a:bodyPr/>
+          <a:lstStyle/>
+          <a:p>
+            <a:endParaRPr lang="en-US"/>
+          </a:p>
+        </p:txBody>
+      </p:sp>
+    </p:spTree>
+    <p:extLst>
+      <p:ext uri="{BB962C8B-B14F-4D97-AF65-F5344CB8AC3E}">
+        <p14:creationId xmlns:p14="http://schemas.microsoft.com/office/powerpoint/2010/main" val="3604661272"/>
+      </p:ext>
+    </p:extLst>
+  </p:cSld>
+  <p:clrMapOvr>
+    <a:masterClrMapping/>
+  </p:clrMapOvr>
+</p:sld>
+</file>
+
+<file path=ppt/slides/slide5.xml><?xml version="1.0" encoding="utf-8"?>
+<p:sld xmlns:a="http://schemas.openxmlformats.org/drawingml/2006/main" xmlns:r="http://schemas.openxmlformats.org/officeDocument/2006/relationships" xmlns:p="http://schemas.openxmlformats.org/presentationml/2006/main">
+  <p:cSld>
+    <p:spTree>
+      <p:nvGrpSpPr>
+        <p:cNvPr id="1" name=""/>
+        <p:cNvGrpSpPr/>
+        <p:nvPr/>
+      </p:nvGrpSpPr>
+      <p:grpSpPr>
+        <a:xfrm>
+          <a:off x="0" y="0"/>
+          <a:ext cx="0" cy="0"/>
+          <a:chOff x="0" y="0"/>
+          <a:chExt cx="0" cy="0"/>
+        </a:xfrm>
+      </p:grpSpPr>
+      <p:sp>
+        <p:nvSpPr>
+          <p:cNvPr id="2" name="Title 1">
+            <a:extLst>
+              <a:ext uri="{FF2B5EF4-FFF2-40B4-BE49-F238E27FC236}">
+                <a16:creationId xmlns:a16="http://schemas.microsoft.com/office/drawing/2014/main" id="{4B19332C-3C81-6D17-7550-DDC6F929EF03}"/>
+              </a:ext>
+            </a:extLst>
+          </p:cNvPr>
+          <p:cNvSpPr>
+            <a:spLocks noGrp="1"/>
+          </p:cNvSpPr>
+          <p:nvPr>
+            <p:ph type="title"/>
+          </p:nvPr>
+        </p:nvSpPr>
+        <p:spPr/>
+        <p:txBody>
+          <a:bodyPr/>
+          <a:lstStyle/>
+          <a:p>
+            <a:endParaRPr lang="en-US"/>
+          </a:p>
+        </p:txBody>
+      </p:sp>
+      <p:sp>
+        <p:nvSpPr>
+          <p:cNvPr id="3" name="Content Placeholder 2">
+            <a:extLst>
+              <a:ext uri="{FF2B5EF4-FFF2-40B4-BE49-F238E27FC236}">
+                <a16:creationId xmlns:a16="http://schemas.microsoft.com/office/drawing/2014/main" id="{1A66D5E1-6312-13BF-7F9C-7D546D33BE74}"/>
+              </a:ext>
+            </a:extLst>
+          </p:cNvPr>
+          <p:cNvSpPr>
+            <a:spLocks noGrp="1"/>
+          </p:cNvSpPr>
+          <p:nvPr>
+            <p:ph idx="1"/>
+          </p:nvPr>
+        </p:nvSpPr>
+        <p:spPr/>
+        <p:txBody>
+          <a:bodyPr/>
+          <a:lstStyle/>
+          <a:p>
+            <a:endParaRPr lang="en-US"/>
+          </a:p>
+        </p:txBody>
+      </p:sp>
+    </p:spTree>
+    <p:extLst>
+      <p:ext uri="{BB962C8B-B14F-4D97-AF65-F5344CB8AC3E}">
+        <p14:creationId xmlns:p14="http://schemas.microsoft.com/office/powerpoint/2010/main" val="803389437"/>
+      </p:ext>
+    </p:extLst>
+  </p:cSld>
+  <p:clrMapOvr>
+    <a:masterClrMapping/>
+  </p:clrMapOvr>
+</p:sld>
+</file>
+
+<file path=ppt/slides/slide6.xml><?xml version="1.0" encoding="utf-8"?>
+<p:sld xmlns:a="http://schemas.openxmlformats.org/drawingml/2006/main" xmlns:r="http://schemas.openxmlformats.org/officeDocument/2006/relationships" xmlns:p="http://schemas.openxmlformats.org/presentationml/2006/main">
+  <p:cSld>
+    <p:spTree>
+      <p:nvGrpSpPr>
+        <p:cNvPr id="1" name=""/>
+        <p:cNvGrpSpPr/>
+        <p:nvPr/>
+      </p:nvGrpSpPr>
+      <p:grpSpPr>
+        <a:xfrm>
+          <a:off x="0" y="0"/>
+          <a:ext cx="0" cy="0"/>
+          <a:chOff x="0" y="0"/>
+          <a:chExt cx="0" cy="0"/>
+        </a:xfrm>
+      </p:grpSpPr>
+      <p:sp>
+        <p:nvSpPr>
+          <p:cNvPr id="2" name="Title 1">
+            <a:extLst>
+              <a:ext uri="{FF2B5EF4-FFF2-40B4-BE49-F238E27FC236}">
+                <a16:creationId xmlns:a16="http://schemas.microsoft.com/office/drawing/2014/main" id="{4BF08329-D064-116E-0E47-7D891D711D47}"/>
+              </a:ext>
+            </a:extLst>
+          </p:cNvPr>
+          <p:cNvSpPr>
+            <a:spLocks noGrp="1"/>
+          </p:cNvSpPr>
+          <p:nvPr>
+            <p:ph type="title"/>
+          </p:nvPr>
+        </p:nvSpPr>
+        <p:spPr/>
+        <p:txBody>
+          <a:bodyPr/>
+          <a:lstStyle/>
+          <a:p>
+            <a:endParaRPr lang="en-US"/>
+          </a:p>
+        </p:txBody>
+      </p:sp>
+      <p:sp>
+        <p:nvSpPr>
+          <p:cNvPr id="3" name="Content Placeholder 2">
+            <a:extLst>
+              <a:ext uri="{FF2B5EF4-FFF2-40B4-BE49-F238E27FC236}">
+                <a16:creationId xmlns:a16="http://schemas.microsoft.com/office/drawing/2014/main" id="{D4D84537-5599-ED88-F660-CF2645D2E0B0}"/>
+              </a:ext>
+            </a:extLst>
+          </p:cNvPr>
+          <p:cNvSpPr>
+            <a:spLocks noGrp="1"/>
+          </p:cNvSpPr>
+          <p:nvPr>
+            <p:ph idx="1"/>
+          </p:nvPr>
+        </p:nvSpPr>
+        <p:spPr/>
+        <p:txBody>
+          <a:bodyPr/>
+          <a:lstStyle/>
+          <a:p>
+            <a:endParaRPr lang="en-US"/>
+          </a:p>
+        </p:txBody>
+      </p:sp>
+    </p:spTree>
+    <p:extLst>
+      <p:ext uri="{BB962C8B-B14F-4D97-AF65-F5344CB8AC3E}">
+        <p14:creationId xmlns:p14="http://schemas.microsoft.com/office/powerpoint/2010/main" val="3374172099"/>
+      </p:ext>
+    </p:extLst>
+  </p:cSld>
+  <p:clrMapOvr>
+    <a:masterClrMapping/>
+  </p:clrMapOvr>
+</p:sld>
+</file>
+
+<file path=ppt/slides/slide7.xml><?xml version="1.0" encoding="utf-8"?>
+<p:sld xmlns:a="http://schemas.openxmlformats.org/drawingml/2006/main" xmlns:r="http://schemas.openxmlformats.org/officeDocument/2006/relationships" xmlns:p="http://schemas.openxmlformats.org/presentationml/2006/main">
+  <p:cSld>
+    <p:spTree>
+      <p:nvGrpSpPr>
+        <p:cNvPr id="1" name=""/>
+        <p:cNvGrpSpPr/>
+        <p:nvPr/>
+      </p:nvGrpSpPr>
+      <p:grpSpPr>
+        <a:xfrm>
+          <a:off x="0" y="0"/>
+          <a:ext cx="0" cy="0"/>
+          <a:chOff x="0" y="0"/>
+          <a:chExt cx="0" cy="0"/>
+        </a:xfrm>
+      </p:grpSpPr>
+      <p:sp>
+        <p:nvSpPr>
+          <p:cNvPr id="2" name="Title 1">
+            <a:extLst>
+              <a:ext uri="{FF2B5EF4-FFF2-40B4-BE49-F238E27FC236}">
+                <a16:creationId xmlns:a16="http://schemas.microsoft.com/office/drawing/2014/main" id="{64B8DFCC-713B-995A-4055-01F8B403FC59}"/>
+              </a:ext>
+            </a:extLst>
+          </p:cNvPr>
+          <p:cNvSpPr>
+            <a:spLocks noGrp="1"/>
+          </p:cNvSpPr>
+          <p:nvPr>
+            <p:ph type="title"/>
+          </p:nvPr>
+        </p:nvSpPr>
+        <p:spPr/>
+        <p:txBody>
+          <a:bodyPr/>
+          <a:lstStyle/>
+          <a:p>
+            <a:endParaRPr lang="en-US"/>
+          </a:p>
+        </p:txBody>
+      </p:sp>
+      <p:sp>
+        <p:nvSpPr>
+          <p:cNvPr id="3" name="Content Placeholder 2">
+            <a:extLst>
+              <a:ext uri="{FF2B5EF4-FFF2-40B4-BE49-F238E27FC236}">
+                <a16:creationId xmlns:a16="http://schemas.microsoft.com/office/drawing/2014/main" id="{8F0FE473-A925-135B-D42E-34FC4452912B}"/>
+              </a:ext>
+            </a:extLst>
+          </p:cNvPr>
+          <p:cNvSpPr>
+            <a:spLocks noGrp="1"/>
+          </p:cNvSpPr>
+          <p:nvPr>
+            <p:ph idx="1"/>
+          </p:nvPr>
+        </p:nvSpPr>
+        <p:spPr/>
+        <p:txBody>
+          <a:bodyPr/>
+          <a:lstStyle/>
+          <a:p>
+            <a:endParaRPr lang="en-US"/>
+          </a:p>
+        </p:txBody>
+      </p:sp>
+    </p:spTree>
+    <p:extLst>
+      <p:ext uri="{BB962C8B-B14F-4D97-AF65-F5344CB8AC3E}">
+        <p14:creationId xmlns:p14="http://schemas.microsoft.com/office/powerpoint/2010/main" val="3270391622"/>
       </p:ext>
     </p:extLst>
   </p:cSld>
